--- a/Introduction to Git.pptx
+++ b/Introduction to Git.pptx
@@ -5,7 +5,7 @@
     <p:sldMasterId id="2147483648" r:id="rId1"/>
   </p:sldMasterIdLst>
   <p:notesMasterIdLst>
-    <p:notesMasterId r:id="rId15"/>
+    <p:notesMasterId r:id="rId17"/>
   </p:notesMasterIdLst>
   <p:sldIdLst>
     <p:sldId id="256" r:id="rId2"/>
@@ -21,6 +21,8 @@
     <p:sldId id="268" r:id="rId12"/>
     <p:sldId id="267" r:id="rId13"/>
     <p:sldId id="269" r:id="rId14"/>
+    <p:sldId id="270" r:id="rId15"/>
+    <p:sldId id="271" r:id="rId16"/>
   </p:sldIdLst>
   <p:sldSz cx="12192000" cy="6858000"/>
   <p:notesSz cx="6858000" cy="9144000"/>
@@ -7019,7 +7021,7 @@
           <a:p>
             <a:r>
               <a:rPr lang="en-US" dirty="0"/>
-              <a:t>Git configure: Task 1: Solution</a:t>
+              <a:t>Git configure: Task: 2</a:t>
             </a:r>
           </a:p>
         </p:txBody>
@@ -7654,58 +7656,85 @@
       </p:grpSp>
       <p:sp>
         <p:nvSpPr>
-          <p:cNvPr id="12" name="TextBox 11">
+          <p:cNvPr id="3" name="Content Placeholder 2">
             <a:extLst>
               <a:ext uri="{FF2B5EF4-FFF2-40B4-BE49-F238E27FC236}">
-                <a16:creationId xmlns:a16="http://schemas.microsoft.com/office/drawing/2014/main" id="{4C259227-4618-985B-5B41-F36CF1CA792D}"/>
+                <a16:creationId xmlns:a16="http://schemas.microsoft.com/office/drawing/2014/main" id="{2C943C4F-8716-70FB-AB69-8ECEBBEC5605}"/>
               </a:ext>
             </a:extLst>
           </p:cNvPr>
-          <p:cNvSpPr txBox="1"/>
-          <p:nvPr/>
+          <p:cNvSpPr>
+            <a:spLocks noGrp="1"/>
+          </p:cNvSpPr>
+          <p:nvPr>
+            <p:ph idx="1"/>
+          </p:nvPr>
         </p:nvSpPr>
         <p:spPr>
           <a:xfrm>
-            <a:off x="706453" y="6173790"/>
-            <a:ext cx="7019999" cy="923330"/>
+            <a:off x="838200" y="1825625"/>
+            <a:ext cx="10515600" cy="4351338"/>
+          </a:xfrm>
+        </p:spPr>
+        <p:txBody>
+          <a:bodyPr/>
+          <a:lstStyle/>
+          <a:p>
+            <a:pPr marL="0" indent="0">
+              <a:buNone/>
+            </a:pPr>
+            <a:r>
+              <a:rPr lang="en-US" dirty="0"/>
+              <a:t>Setup new git repository</a:t>
+            </a:r>
+          </a:p>
+          <a:p>
+            <a:pPr marL="0" indent="0">
+              <a:buNone/>
+            </a:pPr>
+            <a:endParaRPr lang="en-US" dirty="0"/>
+          </a:p>
+          <a:p>
+            <a:endParaRPr lang="en-US" dirty="0"/>
+          </a:p>
+        </p:txBody>
+      </p:sp>
+      <p:pic>
+        <p:nvPicPr>
+          <p:cNvPr id="5" name="Picture 4">
+            <a:extLst>
+              <a:ext uri="{FF2B5EF4-FFF2-40B4-BE49-F238E27FC236}">
+                <a16:creationId xmlns:a16="http://schemas.microsoft.com/office/drawing/2014/main" id="{20C984B8-D681-37A4-5BCE-CFA29555914B}"/>
+              </a:ext>
+            </a:extLst>
+          </p:cNvPr>
+          <p:cNvPicPr>
+            <a:picLocks noChangeAspect="1"/>
+          </p:cNvPicPr>
+          <p:nvPr/>
+        </p:nvPicPr>
+        <p:blipFill>
+          <a:blip r:embed="rId4"/>
+          <a:stretch>
+            <a:fillRect/>
+          </a:stretch>
+        </p:blipFill>
+        <p:spPr>
+          <a:xfrm>
+            <a:off x="6479406" y="2593181"/>
+            <a:ext cx="4690110" cy="3037834"/>
           </a:xfrm>
           <a:prstGeom prst="rect">
             <a:avLst/>
           </a:prstGeom>
-          <a:noFill/>
         </p:spPr>
-        <p:txBody>
-          <a:bodyPr wrap="none" rtlCol="0">
-            <a:spAutoFit/>
-          </a:bodyPr>
-          <a:lstStyle/>
-          <a:p>
-            <a:r>
-              <a:rPr lang="en-US" dirty="0"/>
-              <a:t>Reference: </a:t>
-            </a:r>
-            <a:r>
-              <a:rPr lang="en-US" dirty="0">
-                <a:hlinkClick r:id="rId4"/>
-              </a:rPr>
-              <a:t>https://www.youtube.com/watch?v=HVsySz-h9r4&amp;t=123s</a:t>
-            </a:r>
-            <a:endParaRPr lang="en-US" dirty="0"/>
-          </a:p>
-          <a:p>
-            <a:endParaRPr lang="en-US" dirty="0"/>
-          </a:p>
-          <a:p>
-            <a:endParaRPr lang="en-US" dirty="0"/>
-          </a:p>
-        </p:txBody>
-      </p:sp>
+      </p:pic>
       <p:pic>
         <p:nvPicPr>
-          <p:cNvPr id="14" name="Picture 13">
+          <p:cNvPr id="15" name="Picture 14">
             <a:extLst>
               <a:ext uri="{FF2B5EF4-FFF2-40B4-BE49-F238E27FC236}">
-                <a16:creationId xmlns:a16="http://schemas.microsoft.com/office/drawing/2014/main" id="{A3969862-1136-ACC7-0FA4-3A993E457C0C}"/>
+                <a16:creationId xmlns:a16="http://schemas.microsoft.com/office/drawing/2014/main" id="{CAAEB899-795B-3784-7AC6-9C07D790CA46}"/>
               </a:ext>
             </a:extLst>
           </p:cNvPr>
@@ -7716,14 +7745,13 @@
         </p:nvPicPr>
         <p:blipFill>
           <a:blip r:embed="rId5"/>
-          <a:stretch>
-            <a:fillRect/>
-          </a:stretch>
+          <a:srcRect t="26158"/>
+          <a:stretch/>
         </p:blipFill>
         <p:spPr>
           <a:xfrm>
-            <a:off x="1069814" y="1600925"/>
-            <a:ext cx="9067733" cy="4397974"/>
+            <a:off x="706453" y="2660972"/>
+            <a:ext cx="5006142" cy="2987950"/>
           </a:xfrm>
           <a:prstGeom prst="rect">
             <a:avLst/>
@@ -7734,6 +7762,1489 @@
     <p:extLst>
       <p:ext uri="{BB962C8B-B14F-4D97-AF65-F5344CB8AC3E}">
         <p14:creationId xmlns:p14="http://schemas.microsoft.com/office/powerpoint/2010/main" val="1170723101"/>
+      </p:ext>
+    </p:extLst>
+  </p:cSld>
+  <p:clrMapOvr>
+    <a:masterClrMapping/>
+  </p:clrMapOvr>
+</p:sld>
+</file>
+
+<file path=ppt/slides/slide14.xml><?xml version="1.0" encoding="utf-8"?>
+<p:sld xmlns:a="http://schemas.openxmlformats.org/drawingml/2006/main" xmlns:r="http://schemas.openxmlformats.org/officeDocument/2006/relationships" xmlns:p="http://schemas.openxmlformats.org/presentationml/2006/main">
+  <p:cSld>
+    <p:spTree>
+      <p:nvGrpSpPr>
+        <p:cNvPr id="1" name=""/>
+        <p:cNvGrpSpPr/>
+        <p:nvPr/>
+      </p:nvGrpSpPr>
+      <p:grpSpPr>
+        <a:xfrm>
+          <a:off x="0" y="0"/>
+          <a:ext cx="0" cy="0"/>
+          <a:chOff x="0" y="0"/>
+          <a:chExt cx="0" cy="0"/>
+        </a:xfrm>
+      </p:grpSpPr>
+      <p:sp>
+        <p:nvSpPr>
+          <p:cNvPr id="2" name="Title 1">
+            <a:extLst>
+              <a:ext uri="{FF2B5EF4-FFF2-40B4-BE49-F238E27FC236}">
+                <a16:creationId xmlns:a16="http://schemas.microsoft.com/office/drawing/2014/main" id="{EED2ACD2-448A-E7F4-45AD-772AF3533494}"/>
+              </a:ext>
+            </a:extLst>
+          </p:cNvPr>
+          <p:cNvSpPr>
+            <a:spLocks noGrp="1"/>
+          </p:cNvSpPr>
+          <p:nvPr>
+            <p:ph type="title"/>
+          </p:nvPr>
+        </p:nvSpPr>
+        <p:spPr/>
+        <p:txBody>
+          <a:bodyPr/>
+          <a:lstStyle/>
+          <a:p>
+            <a:r>
+              <a:rPr lang="en-US" dirty="0"/>
+              <a:t>Task 2</a:t>
+            </a:r>
+          </a:p>
+        </p:txBody>
+      </p:sp>
+      <p:sp>
+        <p:nvSpPr>
+          <p:cNvPr id="3" name="Content Placeholder 2">
+            <a:extLst>
+              <a:ext uri="{FF2B5EF4-FFF2-40B4-BE49-F238E27FC236}">
+                <a16:creationId xmlns:a16="http://schemas.microsoft.com/office/drawing/2014/main" id="{F60008FA-C304-3159-2DEB-38BCFB8055EA}"/>
+              </a:ext>
+            </a:extLst>
+          </p:cNvPr>
+          <p:cNvSpPr>
+            <a:spLocks noGrp="1"/>
+          </p:cNvSpPr>
+          <p:nvPr>
+            <p:ph idx="1"/>
+          </p:nvPr>
+        </p:nvSpPr>
+        <p:spPr>
+          <a:xfrm>
+            <a:off x="838200" y="1825625"/>
+            <a:ext cx="10515600" cy="3347133"/>
+          </a:xfrm>
+        </p:spPr>
+        <p:txBody>
+          <a:bodyPr>
+            <a:normAutofit/>
+          </a:bodyPr>
+          <a:lstStyle/>
+          <a:p>
+            <a:r>
+              <a:rPr lang="en-US" dirty="0"/>
+              <a:t>Create a text file</a:t>
+            </a:r>
+          </a:p>
+          <a:p>
+            <a:r>
+              <a:rPr lang="en-US" dirty="0"/>
+              <a:t>Push to the </a:t>
+            </a:r>
+            <a:r>
+              <a:rPr lang="en-US" dirty="0" err="1"/>
+              <a:t>github</a:t>
+            </a:r>
+            <a:r>
+              <a:rPr lang="en-US" dirty="0"/>
+              <a:t> repository you have created</a:t>
+            </a:r>
+          </a:p>
+          <a:p>
+            <a:r>
+              <a:rPr lang="en-US" dirty="0">
+                <a:hlinkClick r:id="rId2"/>
+              </a:rPr>
+              <a:t>https://github.com/tasnimislam/CMPE310Spring2025</a:t>
+            </a:r>
+            <a:endParaRPr lang="en-US" dirty="0"/>
+          </a:p>
+          <a:p>
+            <a:pPr marL="0" indent="0">
+              <a:buNone/>
+            </a:pPr>
+            <a:endParaRPr lang="en-US" dirty="0"/>
+          </a:p>
+          <a:p>
+            <a:endParaRPr lang="en-US" dirty="0"/>
+          </a:p>
+        </p:txBody>
+      </p:sp>
+      <p:pic>
+        <p:nvPicPr>
+          <p:cNvPr id="4" name="Picture 2" descr="GitHub Logo">
+            <a:extLst>
+              <a:ext uri="{FF2B5EF4-FFF2-40B4-BE49-F238E27FC236}">
+                <a16:creationId xmlns:a16="http://schemas.microsoft.com/office/drawing/2014/main" id="{A0E741AA-5185-AAC2-8DAF-4190401FFD6E}"/>
+              </a:ext>
+            </a:extLst>
+          </p:cNvPr>
+          <p:cNvPicPr>
+            <a:picLocks noChangeAspect="1" noChangeArrowheads="1"/>
+          </p:cNvPicPr>
+          <p:nvPr/>
+        </p:nvPicPr>
+        <p:blipFill>
+          <a:blip r:embed="rId3">
+            <a:extLst>
+              <a:ext uri="{28A0092B-C50C-407E-A947-70E740481C1C}">
+                <a14:useLocalDpi xmlns:a14="http://schemas.microsoft.com/office/drawing/2010/main" val="0"/>
+              </a:ext>
+            </a:extLst>
+          </a:blip>
+          <a:srcRect/>
+          <a:stretch>
+            <a:fillRect/>
+          </a:stretch>
+        </p:blipFill>
+        <p:spPr bwMode="auto">
+          <a:xfrm>
+            <a:off x="10147032" y="132556"/>
+            <a:ext cx="2044968" cy="1150294"/>
+          </a:xfrm>
+          <a:prstGeom prst="rect">
+            <a:avLst/>
+          </a:prstGeom>
+          <a:noFill/>
+          <a:extLst>
+            <a:ext uri="{909E8E84-426E-40DD-AFC4-6F175D3DCCD1}">
+              <a14:hiddenFill xmlns:a14="http://schemas.microsoft.com/office/drawing/2010/main">
+                <a:solidFill>
+                  <a:srgbClr val="FFFFFF"/>
+                </a:solidFill>
+              </a14:hiddenFill>
+            </a:ext>
+          </a:extLst>
+        </p:spPr>
+      </p:pic>
+      <p:grpSp>
+        <p:nvGrpSpPr>
+          <p:cNvPr id="5" name="Group 10">
+            <a:extLst>
+              <a:ext uri="{FF2B5EF4-FFF2-40B4-BE49-F238E27FC236}">
+                <a16:creationId xmlns:a16="http://schemas.microsoft.com/office/drawing/2014/main" id="{D068C62C-B14E-06CF-EF13-F82BB42614F7}"/>
+              </a:ext>
+            </a:extLst>
+          </p:cNvPr>
+          <p:cNvGrpSpPr>
+            <a:grpSpLocks/>
+          </p:cNvGrpSpPr>
+          <p:nvPr/>
+        </p:nvGrpSpPr>
+        <p:grpSpPr bwMode="auto">
+          <a:xfrm>
+            <a:off x="122238" y="6173790"/>
+            <a:ext cx="11784012" cy="711466"/>
+            <a:chOff x="121525" y="6173733"/>
+            <a:chExt cx="11784086" cy="712149"/>
+          </a:xfrm>
+        </p:grpSpPr>
+        <p:cxnSp>
+          <p:nvCxnSpPr>
+            <p:cNvPr id="6" name="Straight Connector 5">
+              <a:extLst>
+                <a:ext uri="{FF2B5EF4-FFF2-40B4-BE49-F238E27FC236}">
+                  <a16:creationId xmlns:a16="http://schemas.microsoft.com/office/drawing/2014/main" id="{6CDD652B-E9EC-5FDB-585F-B03D70AAE93A}"/>
+                </a:ext>
+              </a:extLst>
+            </p:cNvPr>
+            <p:cNvCxnSpPr/>
+            <p:nvPr/>
+          </p:nvCxnSpPr>
+          <p:spPr>
+            <a:xfrm flipV="1">
+              <a:off x="735891" y="6559865"/>
+              <a:ext cx="11169720" cy="12712"/>
+            </a:xfrm>
+            <a:prstGeom prst="line">
+              <a:avLst/>
+            </a:prstGeom>
+            <a:ln w="28575">
+              <a:solidFill>
+                <a:schemeClr val="tx1"/>
+              </a:solidFill>
+            </a:ln>
+          </p:spPr>
+          <p:style>
+            <a:lnRef idx="1">
+              <a:schemeClr val="accent1"/>
+            </a:lnRef>
+            <a:fillRef idx="0">
+              <a:schemeClr val="accent1"/>
+            </a:fillRef>
+            <a:effectRef idx="0">
+              <a:schemeClr val="accent1"/>
+            </a:effectRef>
+            <a:fontRef idx="minor">
+              <a:schemeClr val="tx1"/>
+            </a:fontRef>
+          </p:style>
+        </p:cxnSp>
+        <p:pic>
+          <p:nvPicPr>
+            <p:cNvPr id="7" name="Picture 6">
+              <a:extLst>
+                <a:ext uri="{FF2B5EF4-FFF2-40B4-BE49-F238E27FC236}">
+                  <a16:creationId xmlns:a16="http://schemas.microsoft.com/office/drawing/2014/main" id="{0A3BC627-A078-398A-7755-56E81CADEA3C}"/>
+                </a:ext>
+              </a:extLst>
+            </p:cNvPr>
+            <p:cNvPicPr>
+              <a:picLocks noChangeAspect="1"/>
+            </p:cNvPicPr>
+            <p:nvPr/>
+          </p:nvPicPr>
+          <p:blipFill>
+            <a:blip r:embed="rId4">
+              <a:extLst>
+                <a:ext uri="{28A0092B-C50C-407E-A947-70E740481C1C}">
+                  <a14:useLocalDpi xmlns:a14="http://schemas.microsoft.com/office/drawing/2010/main" val="0"/>
+                </a:ext>
+              </a:extLst>
+            </a:blip>
+            <a:srcRect/>
+            <a:stretch>
+              <a:fillRect/>
+            </a:stretch>
+          </p:blipFill>
+          <p:spPr bwMode="auto">
+            <a:xfrm>
+              <a:off x="121525" y="6173733"/>
+              <a:ext cx="410456" cy="632103"/>
+            </a:xfrm>
+            <a:prstGeom prst="rect">
+              <a:avLst/>
+            </a:prstGeom>
+            <a:noFill/>
+            <a:ln>
+              <a:noFill/>
+            </a:ln>
+            <a:extLst>
+              <a:ext uri="{909E8E84-426E-40DD-AFC4-6F175D3DCCD1}">
+                <a14:hiddenFill xmlns:a14="http://schemas.microsoft.com/office/drawing/2010/main">
+                  <a:solidFill>
+                    <a:srgbClr val="FFFFFF"/>
+                  </a:solidFill>
+                </a14:hiddenFill>
+              </a:ext>
+              <a:ext uri="{91240B29-F687-4F45-9708-019B960494DF}">
+                <a14:hiddenLine xmlns:a14="http://schemas.microsoft.com/office/drawing/2010/main" w="9525">
+                  <a:solidFill>
+                    <a:srgbClr val="000000"/>
+                  </a:solidFill>
+                  <a:miter lim="800000"/>
+                  <a:headEnd/>
+                  <a:tailEnd/>
+                </a14:hiddenLine>
+              </a:ext>
+            </a:extLst>
+          </p:spPr>
+        </p:pic>
+        <p:sp>
+          <p:nvSpPr>
+            <p:cNvPr id="8" name="TextBox 7">
+              <a:extLst>
+                <a:ext uri="{FF2B5EF4-FFF2-40B4-BE49-F238E27FC236}">
+                  <a16:creationId xmlns:a16="http://schemas.microsoft.com/office/drawing/2014/main" id="{848CFD6A-FFCA-8BC1-88F1-756C44311333}"/>
+                </a:ext>
+              </a:extLst>
+            </p:cNvPr>
+            <p:cNvSpPr txBox="1">
+              <a:spLocks noChangeArrowheads="1"/>
+            </p:cNvSpPr>
+            <p:nvPr/>
+          </p:nvSpPr>
+          <p:spPr bwMode="auto">
+            <a:xfrm>
+              <a:off x="705744" y="6581001"/>
+              <a:ext cx="1423147" cy="276999"/>
+            </a:xfrm>
+            <a:prstGeom prst="rect">
+              <a:avLst/>
+            </a:prstGeom>
+            <a:noFill/>
+            <a:ln>
+              <a:noFill/>
+            </a:ln>
+            <a:extLst>
+              <a:ext uri="{909E8E84-426E-40DD-AFC4-6F175D3DCCD1}">
+                <a14:hiddenFill xmlns:a14="http://schemas.microsoft.com/office/drawing/2010/main">
+                  <a:solidFill>
+                    <a:srgbClr val="FFFFFF"/>
+                  </a:solidFill>
+                </a14:hiddenFill>
+              </a:ext>
+              <a:ext uri="{91240B29-F687-4F45-9708-019B960494DF}">
+                <a14:hiddenLine xmlns:a14="http://schemas.microsoft.com/office/drawing/2010/main" w="9525">
+                  <a:solidFill>
+                    <a:srgbClr val="000000"/>
+                  </a:solidFill>
+                  <a:miter lim="800000"/>
+                  <a:headEnd/>
+                  <a:tailEnd/>
+                </a14:hiddenLine>
+              </a:ext>
+            </a:extLst>
+          </p:spPr>
+          <p:txBody>
+            <a:bodyPr wrap="none">
+              <a:spAutoFit/>
+            </a:bodyPr>
+            <a:lstStyle>
+              <a:lvl1pPr>
+                <a:lnSpc>
+                  <a:spcPct val="90000"/>
+                </a:lnSpc>
+                <a:spcBef>
+                  <a:spcPts val="1000"/>
+                </a:spcBef>
+                <a:buFont typeface="Arial" panose="020B0604020202020204" pitchFamily="34" charset="0"/>
+                <a:buChar char="•"/>
+                <a:defRPr sz="2800">
+                  <a:solidFill>
+                    <a:schemeClr val="tx1"/>
+                  </a:solidFill>
+                  <a:latin typeface="Calibri" panose="020F0502020204030204" pitchFamily="34" charset="0"/>
+                </a:defRPr>
+              </a:lvl1pPr>
+              <a:lvl2pPr marL="742950" indent="-285750">
+                <a:lnSpc>
+                  <a:spcPct val="90000"/>
+                </a:lnSpc>
+                <a:spcBef>
+                  <a:spcPts val="500"/>
+                </a:spcBef>
+                <a:buFont typeface="Arial" panose="020B0604020202020204" pitchFamily="34" charset="0"/>
+                <a:buChar char="•"/>
+                <a:defRPr sz="2400">
+                  <a:solidFill>
+                    <a:schemeClr val="tx1"/>
+                  </a:solidFill>
+                  <a:latin typeface="Calibri" panose="020F0502020204030204" pitchFamily="34" charset="0"/>
+                </a:defRPr>
+              </a:lvl2pPr>
+              <a:lvl3pPr marL="1143000" indent="-228600">
+                <a:lnSpc>
+                  <a:spcPct val="90000"/>
+                </a:lnSpc>
+                <a:spcBef>
+                  <a:spcPts val="500"/>
+                </a:spcBef>
+                <a:buFont typeface="Arial" panose="020B0604020202020204" pitchFamily="34" charset="0"/>
+                <a:buChar char="•"/>
+                <a:defRPr sz="2000">
+                  <a:solidFill>
+                    <a:schemeClr val="tx1"/>
+                  </a:solidFill>
+                  <a:latin typeface="Calibri" panose="020F0502020204030204" pitchFamily="34" charset="0"/>
+                </a:defRPr>
+              </a:lvl3pPr>
+              <a:lvl4pPr marL="1600200" indent="-228600">
+                <a:lnSpc>
+                  <a:spcPct val="90000"/>
+                </a:lnSpc>
+                <a:spcBef>
+                  <a:spcPts val="500"/>
+                </a:spcBef>
+                <a:buFont typeface="Arial" panose="020B0604020202020204" pitchFamily="34" charset="0"/>
+                <a:buChar char="•"/>
+                <a:defRPr>
+                  <a:solidFill>
+                    <a:schemeClr val="tx1"/>
+                  </a:solidFill>
+                  <a:latin typeface="Calibri" panose="020F0502020204030204" pitchFamily="34" charset="0"/>
+                </a:defRPr>
+              </a:lvl4pPr>
+              <a:lvl5pPr marL="2057400" indent="-228600">
+                <a:lnSpc>
+                  <a:spcPct val="90000"/>
+                </a:lnSpc>
+                <a:spcBef>
+                  <a:spcPts val="500"/>
+                </a:spcBef>
+                <a:buFont typeface="Arial" panose="020B0604020202020204" pitchFamily="34" charset="0"/>
+                <a:buChar char="•"/>
+                <a:defRPr>
+                  <a:solidFill>
+                    <a:schemeClr val="tx1"/>
+                  </a:solidFill>
+                  <a:latin typeface="Calibri" panose="020F0502020204030204" pitchFamily="34" charset="0"/>
+                </a:defRPr>
+              </a:lvl5pPr>
+              <a:lvl6pPr marL="2514600" indent="-228600" eaLnBrk="0" fontAlgn="base" hangingPunct="0">
+                <a:lnSpc>
+                  <a:spcPct val="90000"/>
+                </a:lnSpc>
+                <a:spcBef>
+                  <a:spcPts val="500"/>
+                </a:spcBef>
+                <a:spcAft>
+                  <a:spcPct val="0"/>
+                </a:spcAft>
+                <a:buFont typeface="Arial" panose="020B0604020202020204" pitchFamily="34" charset="0"/>
+                <a:buChar char="•"/>
+                <a:defRPr>
+                  <a:solidFill>
+                    <a:schemeClr val="tx1"/>
+                  </a:solidFill>
+                  <a:latin typeface="Calibri" panose="020F0502020204030204" pitchFamily="34" charset="0"/>
+                </a:defRPr>
+              </a:lvl6pPr>
+              <a:lvl7pPr marL="2971800" indent="-228600" eaLnBrk="0" fontAlgn="base" hangingPunct="0">
+                <a:lnSpc>
+                  <a:spcPct val="90000"/>
+                </a:lnSpc>
+                <a:spcBef>
+                  <a:spcPts val="500"/>
+                </a:spcBef>
+                <a:spcAft>
+                  <a:spcPct val="0"/>
+                </a:spcAft>
+                <a:buFont typeface="Arial" panose="020B0604020202020204" pitchFamily="34" charset="0"/>
+                <a:buChar char="•"/>
+                <a:defRPr>
+                  <a:solidFill>
+                    <a:schemeClr val="tx1"/>
+                  </a:solidFill>
+                  <a:latin typeface="Calibri" panose="020F0502020204030204" pitchFamily="34" charset="0"/>
+                </a:defRPr>
+              </a:lvl7pPr>
+              <a:lvl8pPr marL="3429000" indent="-228600" eaLnBrk="0" fontAlgn="base" hangingPunct="0">
+                <a:lnSpc>
+                  <a:spcPct val="90000"/>
+                </a:lnSpc>
+                <a:spcBef>
+                  <a:spcPts val="500"/>
+                </a:spcBef>
+                <a:spcAft>
+                  <a:spcPct val="0"/>
+                </a:spcAft>
+                <a:buFont typeface="Arial" panose="020B0604020202020204" pitchFamily="34" charset="0"/>
+                <a:buChar char="•"/>
+                <a:defRPr>
+                  <a:solidFill>
+                    <a:schemeClr val="tx1"/>
+                  </a:solidFill>
+                  <a:latin typeface="Calibri" panose="020F0502020204030204" pitchFamily="34" charset="0"/>
+                </a:defRPr>
+              </a:lvl8pPr>
+              <a:lvl9pPr marL="3886200" indent="-228600" eaLnBrk="0" fontAlgn="base" hangingPunct="0">
+                <a:lnSpc>
+                  <a:spcPct val="90000"/>
+                </a:lnSpc>
+                <a:spcBef>
+                  <a:spcPts val="500"/>
+                </a:spcBef>
+                <a:spcAft>
+                  <a:spcPct val="0"/>
+                </a:spcAft>
+                <a:buFont typeface="Arial" panose="020B0604020202020204" pitchFamily="34" charset="0"/>
+                <a:buChar char="•"/>
+                <a:defRPr>
+                  <a:solidFill>
+                    <a:schemeClr val="tx1"/>
+                  </a:solidFill>
+                  <a:latin typeface="Calibri" panose="020F0502020204030204" pitchFamily="34" charset="0"/>
+                </a:defRPr>
+              </a:lvl9pPr>
+            </a:lstStyle>
+            <a:p>
+              <a:pPr eaLnBrk="1" hangingPunct="1">
+                <a:lnSpc>
+                  <a:spcPct val="100000"/>
+                </a:lnSpc>
+                <a:spcBef>
+                  <a:spcPct val="0"/>
+                </a:spcBef>
+                <a:buFontTx/>
+                <a:buNone/>
+              </a:pPr>
+              <a:r>
+                <a:rPr lang="en-US" altLang="en-US" sz="1200"/>
+                <a:t>Tasnim Nishat Islam</a:t>
+              </a:r>
+            </a:p>
+          </p:txBody>
+        </p:sp>
+        <p:sp>
+          <p:nvSpPr>
+            <p:cNvPr id="9" name="TextBox 8">
+              <a:extLst>
+                <a:ext uri="{FF2B5EF4-FFF2-40B4-BE49-F238E27FC236}">
+                  <a16:creationId xmlns:a16="http://schemas.microsoft.com/office/drawing/2014/main" id="{BE00C924-DF71-24FB-6912-60D4BE2542CA}"/>
+                </a:ext>
+              </a:extLst>
+            </p:cNvPr>
+            <p:cNvSpPr txBox="1">
+              <a:spLocks noChangeArrowheads="1"/>
+            </p:cNvSpPr>
+            <p:nvPr/>
+          </p:nvSpPr>
+          <p:spPr bwMode="auto">
+            <a:xfrm>
+              <a:off x="5603002" y="6608617"/>
+              <a:ext cx="1586726" cy="277265"/>
+            </a:xfrm>
+            <a:prstGeom prst="rect">
+              <a:avLst/>
+            </a:prstGeom>
+            <a:noFill/>
+            <a:ln>
+              <a:noFill/>
+            </a:ln>
+            <a:extLst>
+              <a:ext uri="{909E8E84-426E-40DD-AFC4-6F175D3DCCD1}">
+                <a14:hiddenFill xmlns:a14="http://schemas.microsoft.com/office/drawing/2010/main">
+                  <a:solidFill>
+                    <a:srgbClr val="FFFFFF"/>
+                  </a:solidFill>
+                </a14:hiddenFill>
+              </a:ext>
+              <a:ext uri="{91240B29-F687-4F45-9708-019B960494DF}">
+                <a14:hiddenLine xmlns:a14="http://schemas.microsoft.com/office/drawing/2010/main" w="9525">
+                  <a:solidFill>
+                    <a:srgbClr val="000000"/>
+                  </a:solidFill>
+                  <a:miter lim="800000"/>
+                  <a:headEnd/>
+                  <a:tailEnd/>
+                </a14:hiddenLine>
+              </a:ext>
+            </a:extLst>
+          </p:spPr>
+          <p:txBody>
+            <a:bodyPr wrap="none">
+              <a:spAutoFit/>
+            </a:bodyPr>
+            <a:lstStyle>
+              <a:lvl1pPr>
+                <a:lnSpc>
+                  <a:spcPct val="90000"/>
+                </a:lnSpc>
+                <a:spcBef>
+                  <a:spcPts val="1000"/>
+                </a:spcBef>
+                <a:buFont typeface="Arial" panose="020B0604020202020204" pitchFamily="34" charset="0"/>
+                <a:buChar char="•"/>
+                <a:defRPr sz="2800">
+                  <a:solidFill>
+                    <a:schemeClr val="tx1"/>
+                  </a:solidFill>
+                  <a:latin typeface="Calibri" panose="020F0502020204030204" pitchFamily="34" charset="0"/>
+                </a:defRPr>
+              </a:lvl1pPr>
+              <a:lvl2pPr marL="742950" indent="-285750">
+                <a:lnSpc>
+                  <a:spcPct val="90000"/>
+                </a:lnSpc>
+                <a:spcBef>
+                  <a:spcPts val="500"/>
+                </a:spcBef>
+                <a:buFont typeface="Arial" panose="020B0604020202020204" pitchFamily="34" charset="0"/>
+                <a:buChar char="•"/>
+                <a:defRPr sz="2400">
+                  <a:solidFill>
+                    <a:schemeClr val="tx1"/>
+                  </a:solidFill>
+                  <a:latin typeface="Calibri" panose="020F0502020204030204" pitchFamily="34" charset="0"/>
+                </a:defRPr>
+              </a:lvl2pPr>
+              <a:lvl3pPr marL="1143000" indent="-228600">
+                <a:lnSpc>
+                  <a:spcPct val="90000"/>
+                </a:lnSpc>
+                <a:spcBef>
+                  <a:spcPts val="500"/>
+                </a:spcBef>
+                <a:buFont typeface="Arial" panose="020B0604020202020204" pitchFamily="34" charset="0"/>
+                <a:buChar char="•"/>
+                <a:defRPr sz="2000">
+                  <a:solidFill>
+                    <a:schemeClr val="tx1"/>
+                  </a:solidFill>
+                  <a:latin typeface="Calibri" panose="020F0502020204030204" pitchFamily="34" charset="0"/>
+                </a:defRPr>
+              </a:lvl3pPr>
+              <a:lvl4pPr marL="1600200" indent="-228600">
+                <a:lnSpc>
+                  <a:spcPct val="90000"/>
+                </a:lnSpc>
+                <a:spcBef>
+                  <a:spcPts val="500"/>
+                </a:spcBef>
+                <a:buFont typeface="Arial" panose="020B0604020202020204" pitchFamily="34" charset="0"/>
+                <a:buChar char="•"/>
+                <a:defRPr>
+                  <a:solidFill>
+                    <a:schemeClr val="tx1"/>
+                  </a:solidFill>
+                  <a:latin typeface="Calibri" panose="020F0502020204030204" pitchFamily="34" charset="0"/>
+                </a:defRPr>
+              </a:lvl4pPr>
+              <a:lvl5pPr marL="2057400" indent="-228600">
+                <a:lnSpc>
+                  <a:spcPct val="90000"/>
+                </a:lnSpc>
+                <a:spcBef>
+                  <a:spcPts val="500"/>
+                </a:spcBef>
+                <a:buFont typeface="Arial" panose="020B0604020202020204" pitchFamily="34" charset="0"/>
+                <a:buChar char="•"/>
+                <a:defRPr>
+                  <a:solidFill>
+                    <a:schemeClr val="tx1"/>
+                  </a:solidFill>
+                  <a:latin typeface="Calibri" panose="020F0502020204030204" pitchFamily="34" charset="0"/>
+                </a:defRPr>
+              </a:lvl5pPr>
+              <a:lvl6pPr marL="2514600" indent="-228600" eaLnBrk="0" fontAlgn="base" hangingPunct="0">
+                <a:lnSpc>
+                  <a:spcPct val="90000"/>
+                </a:lnSpc>
+                <a:spcBef>
+                  <a:spcPts val="500"/>
+                </a:spcBef>
+                <a:spcAft>
+                  <a:spcPct val="0"/>
+                </a:spcAft>
+                <a:buFont typeface="Arial" panose="020B0604020202020204" pitchFamily="34" charset="0"/>
+                <a:buChar char="•"/>
+                <a:defRPr>
+                  <a:solidFill>
+                    <a:schemeClr val="tx1"/>
+                  </a:solidFill>
+                  <a:latin typeface="Calibri" panose="020F0502020204030204" pitchFamily="34" charset="0"/>
+                </a:defRPr>
+              </a:lvl6pPr>
+              <a:lvl7pPr marL="2971800" indent="-228600" eaLnBrk="0" fontAlgn="base" hangingPunct="0">
+                <a:lnSpc>
+                  <a:spcPct val="90000"/>
+                </a:lnSpc>
+                <a:spcBef>
+                  <a:spcPts val="500"/>
+                </a:spcBef>
+                <a:spcAft>
+                  <a:spcPct val="0"/>
+                </a:spcAft>
+                <a:buFont typeface="Arial" panose="020B0604020202020204" pitchFamily="34" charset="0"/>
+                <a:buChar char="•"/>
+                <a:defRPr>
+                  <a:solidFill>
+                    <a:schemeClr val="tx1"/>
+                  </a:solidFill>
+                  <a:latin typeface="Calibri" panose="020F0502020204030204" pitchFamily="34" charset="0"/>
+                </a:defRPr>
+              </a:lvl7pPr>
+              <a:lvl8pPr marL="3429000" indent="-228600" eaLnBrk="0" fontAlgn="base" hangingPunct="0">
+                <a:lnSpc>
+                  <a:spcPct val="90000"/>
+                </a:lnSpc>
+                <a:spcBef>
+                  <a:spcPts val="500"/>
+                </a:spcBef>
+                <a:spcAft>
+                  <a:spcPct val="0"/>
+                </a:spcAft>
+                <a:buFont typeface="Arial" panose="020B0604020202020204" pitchFamily="34" charset="0"/>
+                <a:buChar char="•"/>
+                <a:defRPr>
+                  <a:solidFill>
+                    <a:schemeClr val="tx1"/>
+                  </a:solidFill>
+                  <a:latin typeface="Calibri" panose="020F0502020204030204" pitchFamily="34" charset="0"/>
+                </a:defRPr>
+              </a:lvl8pPr>
+              <a:lvl9pPr marL="3886200" indent="-228600" eaLnBrk="0" fontAlgn="base" hangingPunct="0">
+                <a:lnSpc>
+                  <a:spcPct val="90000"/>
+                </a:lnSpc>
+                <a:spcBef>
+                  <a:spcPts val="500"/>
+                </a:spcBef>
+                <a:spcAft>
+                  <a:spcPct val="0"/>
+                </a:spcAft>
+                <a:buFont typeface="Arial" panose="020B0604020202020204" pitchFamily="34" charset="0"/>
+                <a:buChar char="•"/>
+                <a:defRPr>
+                  <a:solidFill>
+                    <a:schemeClr val="tx1"/>
+                  </a:solidFill>
+                  <a:latin typeface="Calibri" panose="020F0502020204030204" pitchFamily="34" charset="0"/>
+                </a:defRPr>
+              </a:lvl9pPr>
+            </a:lstStyle>
+            <a:p>
+              <a:pPr eaLnBrk="1" hangingPunct="1">
+                <a:lnSpc>
+                  <a:spcPct val="100000"/>
+                </a:lnSpc>
+                <a:spcBef>
+                  <a:spcPct val="0"/>
+                </a:spcBef>
+                <a:buFontTx/>
+                <a:buNone/>
+              </a:pPr>
+              <a:r>
+                <a:rPr lang="en-US" altLang="en-US" sz="1200" dirty="0"/>
+                <a:t>Introduction to </a:t>
+              </a:r>
+              <a:r>
+                <a:rPr lang="en-US" altLang="en-US" sz="1200" dirty="0" err="1"/>
+                <a:t>Github</a:t>
+              </a:r>
+              <a:endParaRPr lang="en-US" altLang="en-US" sz="1200" dirty="0"/>
+            </a:p>
+          </p:txBody>
+        </p:sp>
+      </p:grpSp>
+    </p:spTree>
+    <p:extLst>
+      <p:ext uri="{BB962C8B-B14F-4D97-AF65-F5344CB8AC3E}">
+        <p14:creationId xmlns:p14="http://schemas.microsoft.com/office/powerpoint/2010/main" val="3554142858"/>
+      </p:ext>
+    </p:extLst>
+  </p:cSld>
+  <p:clrMapOvr>
+    <a:masterClrMapping/>
+  </p:clrMapOvr>
+</p:sld>
+</file>
+
+<file path=ppt/slides/slide15.xml><?xml version="1.0" encoding="utf-8"?>
+<p:sld xmlns:a="http://schemas.openxmlformats.org/drawingml/2006/main" xmlns:r="http://schemas.openxmlformats.org/officeDocument/2006/relationships" xmlns:p="http://schemas.openxmlformats.org/presentationml/2006/main">
+  <p:cSld>
+    <p:spTree>
+      <p:nvGrpSpPr>
+        <p:cNvPr id="1" name=""/>
+        <p:cNvGrpSpPr/>
+        <p:nvPr/>
+      </p:nvGrpSpPr>
+      <p:grpSpPr>
+        <a:xfrm>
+          <a:off x="0" y="0"/>
+          <a:ext cx="0" cy="0"/>
+          <a:chOff x="0" y="0"/>
+          <a:chExt cx="0" cy="0"/>
+        </a:xfrm>
+      </p:grpSpPr>
+      <p:sp>
+        <p:nvSpPr>
+          <p:cNvPr id="2" name="Title 1">
+            <a:extLst>
+              <a:ext uri="{FF2B5EF4-FFF2-40B4-BE49-F238E27FC236}">
+                <a16:creationId xmlns:a16="http://schemas.microsoft.com/office/drawing/2014/main" id="{66211018-836F-1873-28E0-4C0352D54977}"/>
+              </a:ext>
+            </a:extLst>
+          </p:cNvPr>
+          <p:cNvSpPr>
+            <a:spLocks noGrp="1"/>
+          </p:cNvSpPr>
+          <p:nvPr>
+            <p:ph type="title"/>
+          </p:nvPr>
+        </p:nvSpPr>
+        <p:spPr/>
+        <p:txBody>
+          <a:bodyPr/>
+          <a:lstStyle/>
+          <a:p>
+            <a:r>
+              <a:rPr lang="en-US" dirty="0"/>
+              <a:t>Task 3</a:t>
+            </a:r>
+          </a:p>
+        </p:txBody>
+      </p:sp>
+      <p:sp>
+        <p:nvSpPr>
+          <p:cNvPr id="3" name="Content Placeholder 2">
+            <a:extLst>
+              <a:ext uri="{FF2B5EF4-FFF2-40B4-BE49-F238E27FC236}">
+                <a16:creationId xmlns:a16="http://schemas.microsoft.com/office/drawing/2014/main" id="{3743E9F3-4013-6D72-F9DE-3942479C7627}"/>
+              </a:ext>
+            </a:extLst>
+          </p:cNvPr>
+          <p:cNvSpPr>
+            <a:spLocks noGrp="1"/>
+          </p:cNvSpPr>
+          <p:nvPr>
+            <p:ph idx="1"/>
+          </p:nvPr>
+        </p:nvSpPr>
+        <p:spPr/>
+        <p:txBody>
+          <a:bodyPr/>
+          <a:lstStyle/>
+          <a:p>
+            <a:r>
+              <a:rPr lang="en-US" dirty="0"/>
+              <a:t>Make a new branch named “</a:t>
+            </a:r>
+            <a:r>
+              <a:rPr lang="en-US" dirty="0" err="1"/>
+              <a:t>newBranch</a:t>
+            </a:r>
+            <a:r>
+              <a:rPr lang="en-US" dirty="0"/>
+              <a:t>” via command line and update the </a:t>
+            </a:r>
+            <a:r>
+              <a:rPr lang="en-US" dirty="0" err="1"/>
+              <a:t>github</a:t>
+            </a:r>
+            <a:r>
+              <a:rPr lang="en-US" dirty="0"/>
+              <a:t> repository with the message “New Branch”</a:t>
+            </a:r>
+          </a:p>
+        </p:txBody>
+      </p:sp>
+      <p:grpSp>
+        <p:nvGrpSpPr>
+          <p:cNvPr id="4" name="Group 10">
+            <a:extLst>
+              <a:ext uri="{FF2B5EF4-FFF2-40B4-BE49-F238E27FC236}">
+                <a16:creationId xmlns:a16="http://schemas.microsoft.com/office/drawing/2014/main" id="{BEFB06E3-D201-DEA8-0E03-E9CFF2CD6F4D}"/>
+              </a:ext>
+            </a:extLst>
+          </p:cNvPr>
+          <p:cNvGrpSpPr>
+            <a:grpSpLocks/>
+          </p:cNvGrpSpPr>
+          <p:nvPr/>
+        </p:nvGrpSpPr>
+        <p:grpSpPr bwMode="auto">
+          <a:xfrm>
+            <a:off x="122238" y="6173790"/>
+            <a:ext cx="11784012" cy="711466"/>
+            <a:chOff x="121525" y="6173733"/>
+            <a:chExt cx="11784086" cy="712149"/>
+          </a:xfrm>
+        </p:grpSpPr>
+        <p:cxnSp>
+          <p:nvCxnSpPr>
+            <p:cNvPr id="5" name="Straight Connector 4">
+              <a:extLst>
+                <a:ext uri="{FF2B5EF4-FFF2-40B4-BE49-F238E27FC236}">
+                  <a16:creationId xmlns:a16="http://schemas.microsoft.com/office/drawing/2014/main" id="{7C959D36-FD9A-2C25-3726-265573907C91}"/>
+                </a:ext>
+              </a:extLst>
+            </p:cNvPr>
+            <p:cNvCxnSpPr/>
+            <p:nvPr/>
+          </p:nvCxnSpPr>
+          <p:spPr>
+            <a:xfrm flipV="1">
+              <a:off x="735891" y="6559865"/>
+              <a:ext cx="11169720" cy="12712"/>
+            </a:xfrm>
+            <a:prstGeom prst="line">
+              <a:avLst/>
+            </a:prstGeom>
+            <a:ln w="28575">
+              <a:solidFill>
+                <a:schemeClr val="tx1"/>
+              </a:solidFill>
+            </a:ln>
+          </p:spPr>
+          <p:style>
+            <a:lnRef idx="1">
+              <a:schemeClr val="accent1"/>
+            </a:lnRef>
+            <a:fillRef idx="0">
+              <a:schemeClr val="accent1"/>
+            </a:fillRef>
+            <a:effectRef idx="0">
+              <a:schemeClr val="accent1"/>
+            </a:effectRef>
+            <a:fontRef idx="minor">
+              <a:schemeClr val="tx1"/>
+            </a:fontRef>
+          </p:style>
+        </p:cxnSp>
+        <p:pic>
+          <p:nvPicPr>
+            <p:cNvPr id="6" name="Picture 5">
+              <a:extLst>
+                <a:ext uri="{FF2B5EF4-FFF2-40B4-BE49-F238E27FC236}">
+                  <a16:creationId xmlns:a16="http://schemas.microsoft.com/office/drawing/2014/main" id="{058F36FE-A7E5-3D01-2D95-125E46302B20}"/>
+                </a:ext>
+              </a:extLst>
+            </p:cNvPr>
+            <p:cNvPicPr>
+              <a:picLocks noChangeAspect="1"/>
+            </p:cNvPicPr>
+            <p:nvPr/>
+          </p:nvPicPr>
+          <p:blipFill>
+            <a:blip r:embed="rId2">
+              <a:extLst>
+                <a:ext uri="{28A0092B-C50C-407E-A947-70E740481C1C}">
+                  <a14:useLocalDpi xmlns:a14="http://schemas.microsoft.com/office/drawing/2010/main" val="0"/>
+                </a:ext>
+              </a:extLst>
+            </a:blip>
+            <a:srcRect/>
+            <a:stretch>
+              <a:fillRect/>
+            </a:stretch>
+          </p:blipFill>
+          <p:spPr bwMode="auto">
+            <a:xfrm>
+              <a:off x="121525" y="6173733"/>
+              <a:ext cx="410456" cy="632103"/>
+            </a:xfrm>
+            <a:prstGeom prst="rect">
+              <a:avLst/>
+            </a:prstGeom>
+            <a:noFill/>
+            <a:ln>
+              <a:noFill/>
+            </a:ln>
+            <a:extLst>
+              <a:ext uri="{909E8E84-426E-40DD-AFC4-6F175D3DCCD1}">
+                <a14:hiddenFill xmlns:a14="http://schemas.microsoft.com/office/drawing/2010/main">
+                  <a:solidFill>
+                    <a:srgbClr val="FFFFFF"/>
+                  </a:solidFill>
+                </a14:hiddenFill>
+              </a:ext>
+              <a:ext uri="{91240B29-F687-4F45-9708-019B960494DF}">
+                <a14:hiddenLine xmlns:a14="http://schemas.microsoft.com/office/drawing/2010/main" w="9525">
+                  <a:solidFill>
+                    <a:srgbClr val="000000"/>
+                  </a:solidFill>
+                  <a:miter lim="800000"/>
+                  <a:headEnd/>
+                  <a:tailEnd/>
+                </a14:hiddenLine>
+              </a:ext>
+            </a:extLst>
+          </p:spPr>
+        </p:pic>
+        <p:sp>
+          <p:nvSpPr>
+            <p:cNvPr id="7" name="TextBox 6">
+              <a:extLst>
+                <a:ext uri="{FF2B5EF4-FFF2-40B4-BE49-F238E27FC236}">
+                  <a16:creationId xmlns:a16="http://schemas.microsoft.com/office/drawing/2014/main" id="{7731C6DF-DEC5-EA8B-E599-DF2941E1C8F3}"/>
+                </a:ext>
+              </a:extLst>
+            </p:cNvPr>
+            <p:cNvSpPr txBox="1">
+              <a:spLocks noChangeArrowheads="1"/>
+            </p:cNvSpPr>
+            <p:nvPr/>
+          </p:nvSpPr>
+          <p:spPr bwMode="auto">
+            <a:xfrm>
+              <a:off x="705744" y="6581001"/>
+              <a:ext cx="1423147" cy="276999"/>
+            </a:xfrm>
+            <a:prstGeom prst="rect">
+              <a:avLst/>
+            </a:prstGeom>
+            <a:noFill/>
+            <a:ln>
+              <a:noFill/>
+            </a:ln>
+            <a:extLst>
+              <a:ext uri="{909E8E84-426E-40DD-AFC4-6F175D3DCCD1}">
+                <a14:hiddenFill xmlns:a14="http://schemas.microsoft.com/office/drawing/2010/main">
+                  <a:solidFill>
+                    <a:srgbClr val="FFFFFF"/>
+                  </a:solidFill>
+                </a14:hiddenFill>
+              </a:ext>
+              <a:ext uri="{91240B29-F687-4F45-9708-019B960494DF}">
+                <a14:hiddenLine xmlns:a14="http://schemas.microsoft.com/office/drawing/2010/main" w="9525">
+                  <a:solidFill>
+                    <a:srgbClr val="000000"/>
+                  </a:solidFill>
+                  <a:miter lim="800000"/>
+                  <a:headEnd/>
+                  <a:tailEnd/>
+                </a14:hiddenLine>
+              </a:ext>
+            </a:extLst>
+          </p:spPr>
+          <p:txBody>
+            <a:bodyPr wrap="none">
+              <a:spAutoFit/>
+            </a:bodyPr>
+            <a:lstStyle>
+              <a:lvl1pPr>
+                <a:lnSpc>
+                  <a:spcPct val="90000"/>
+                </a:lnSpc>
+                <a:spcBef>
+                  <a:spcPts val="1000"/>
+                </a:spcBef>
+                <a:buFont typeface="Arial" panose="020B0604020202020204" pitchFamily="34" charset="0"/>
+                <a:buChar char="•"/>
+                <a:defRPr sz="2800">
+                  <a:solidFill>
+                    <a:schemeClr val="tx1"/>
+                  </a:solidFill>
+                  <a:latin typeface="Calibri" panose="020F0502020204030204" pitchFamily="34" charset="0"/>
+                </a:defRPr>
+              </a:lvl1pPr>
+              <a:lvl2pPr marL="742950" indent="-285750">
+                <a:lnSpc>
+                  <a:spcPct val="90000"/>
+                </a:lnSpc>
+                <a:spcBef>
+                  <a:spcPts val="500"/>
+                </a:spcBef>
+                <a:buFont typeface="Arial" panose="020B0604020202020204" pitchFamily="34" charset="0"/>
+                <a:buChar char="•"/>
+                <a:defRPr sz="2400">
+                  <a:solidFill>
+                    <a:schemeClr val="tx1"/>
+                  </a:solidFill>
+                  <a:latin typeface="Calibri" panose="020F0502020204030204" pitchFamily="34" charset="0"/>
+                </a:defRPr>
+              </a:lvl2pPr>
+              <a:lvl3pPr marL="1143000" indent="-228600">
+                <a:lnSpc>
+                  <a:spcPct val="90000"/>
+                </a:lnSpc>
+                <a:spcBef>
+                  <a:spcPts val="500"/>
+                </a:spcBef>
+                <a:buFont typeface="Arial" panose="020B0604020202020204" pitchFamily="34" charset="0"/>
+                <a:buChar char="•"/>
+                <a:defRPr sz="2000">
+                  <a:solidFill>
+                    <a:schemeClr val="tx1"/>
+                  </a:solidFill>
+                  <a:latin typeface="Calibri" panose="020F0502020204030204" pitchFamily="34" charset="0"/>
+                </a:defRPr>
+              </a:lvl3pPr>
+              <a:lvl4pPr marL="1600200" indent="-228600">
+                <a:lnSpc>
+                  <a:spcPct val="90000"/>
+                </a:lnSpc>
+                <a:spcBef>
+                  <a:spcPts val="500"/>
+                </a:spcBef>
+                <a:buFont typeface="Arial" panose="020B0604020202020204" pitchFamily="34" charset="0"/>
+                <a:buChar char="•"/>
+                <a:defRPr>
+                  <a:solidFill>
+                    <a:schemeClr val="tx1"/>
+                  </a:solidFill>
+                  <a:latin typeface="Calibri" panose="020F0502020204030204" pitchFamily="34" charset="0"/>
+                </a:defRPr>
+              </a:lvl4pPr>
+              <a:lvl5pPr marL="2057400" indent="-228600">
+                <a:lnSpc>
+                  <a:spcPct val="90000"/>
+                </a:lnSpc>
+                <a:spcBef>
+                  <a:spcPts val="500"/>
+                </a:spcBef>
+                <a:buFont typeface="Arial" panose="020B0604020202020204" pitchFamily="34" charset="0"/>
+                <a:buChar char="•"/>
+                <a:defRPr>
+                  <a:solidFill>
+                    <a:schemeClr val="tx1"/>
+                  </a:solidFill>
+                  <a:latin typeface="Calibri" panose="020F0502020204030204" pitchFamily="34" charset="0"/>
+                </a:defRPr>
+              </a:lvl5pPr>
+              <a:lvl6pPr marL="2514600" indent="-228600" eaLnBrk="0" fontAlgn="base" hangingPunct="0">
+                <a:lnSpc>
+                  <a:spcPct val="90000"/>
+                </a:lnSpc>
+                <a:spcBef>
+                  <a:spcPts val="500"/>
+                </a:spcBef>
+                <a:spcAft>
+                  <a:spcPct val="0"/>
+                </a:spcAft>
+                <a:buFont typeface="Arial" panose="020B0604020202020204" pitchFamily="34" charset="0"/>
+                <a:buChar char="•"/>
+                <a:defRPr>
+                  <a:solidFill>
+                    <a:schemeClr val="tx1"/>
+                  </a:solidFill>
+                  <a:latin typeface="Calibri" panose="020F0502020204030204" pitchFamily="34" charset="0"/>
+                </a:defRPr>
+              </a:lvl6pPr>
+              <a:lvl7pPr marL="2971800" indent="-228600" eaLnBrk="0" fontAlgn="base" hangingPunct="0">
+                <a:lnSpc>
+                  <a:spcPct val="90000"/>
+                </a:lnSpc>
+                <a:spcBef>
+                  <a:spcPts val="500"/>
+                </a:spcBef>
+                <a:spcAft>
+                  <a:spcPct val="0"/>
+                </a:spcAft>
+                <a:buFont typeface="Arial" panose="020B0604020202020204" pitchFamily="34" charset="0"/>
+                <a:buChar char="•"/>
+                <a:defRPr>
+                  <a:solidFill>
+                    <a:schemeClr val="tx1"/>
+                  </a:solidFill>
+                  <a:latin typeface="Calibri" panose="020F0502020204030204" pitchFamily="34" charset="0"/>
+                </a:defRPr>
+              </a:lvl7pPr>
+              <a:lvl8pPr marL="3429000" indent="-228600" eaLnBrk="0" fontAlgn="base" hangingPunct="0">
+                <a:lnSpc>
+                  <a:spcPct val="90000"/>
+                </a:lnSpc>
+                <a:spcBef>
+                  <a:spcPts val="500"/>
+                </a:spcBef>
+                <a:spcAft>
+                  <a:spcPct val="0"/>
+                </a:spcAft>
+                <a:buFont typeface="Arial" panose="020B0604020202020204" pitchFamily="34" charset="0"/>
+                <a:buChar char="•"/>
+                <a:defRPr>
+                  <a:solidFill>
+                    <a:schemeClr val="tx1"/>
+                  </a:solidFill>
+                  <a:latin typeface="Calibri" panose="020F0502020204030204" pitchFamily="34" charset="0"/>
+                </a:defRPr>
+              </a:lvl8pPr>
+              <a:lvl9pPr marL="3886200" indent="-228600" eaLnBrk="0" fontAlgn="base" hangingPunct="0">
+                <a:lnSpc>
+                  <a:spcPct val="90000"/>
+                </a:lnSpc>
+                <a:spcBef>
+                  <a:spcPts val="500"/>
+                </a:spcBef>
+                <a:spcAft>
+                  <a:spcPct val="0"/>
+                </a:spcAft>
+                <a:buFont typeface="Arial" panose="020B0604020202020204" pitchFamily="34" charset="0"/>
+                <a:buChar char="•"/>
+                <a:defRPr>
+                  <a:solidFill>
+                    <a:schemeClr val="tx1"/>
+                  </a:solidFill>
+                  <a:latin typeface="Calibri" panose="020F0502020204030204" pitchFamily="34" charset="0"/>
+                </a:defRPr>
+              </a:lvl9pPr>
+            </a:lstStyle>
+            <a:p>
+              <a:pPr eaLnBrk="1" hangingPunct="1">
+                <a:lnSpc>
+                  <a:spcPct val="100000"/>
+                </a:lnSpc>
+                <a:spcBef>
+                  <a:spcPct val="0"/>
+                </a:spcBef>
+                <a:buFontTx/>
+                <a:buNone/>
+              </a:pPr>
+              <a:r>
+                <a:rPr lang="en-US" altLang="en-US" sz="1200"/>
+                <a:t>Tasnim Nishat Islam</a:t>
+              </a:r>
+            </a:p>
+          </p:txBody>
+        </p:sp>
+        <p:sp>
+          <p:nvSpPr>
+            <p:cNvPr id="8" name="TextBox 7">
+              <a:extLst>
+                <a:ext uri="{FF2B5EF4-FFF2-40B4-BE49-F238E27FC236}">
+                  <a16:creationId xmlns:a16="http://schemas.microsoft.com/office/drawing/2014/main" id="{BF329EE5-9274-CFE6-31E5-EEDAD65157E5}"/>
+                </a:ext>
+              </a:extLst>
+            </p:cNvPr>
+            <p:cNvSpPr txBox="1">
+              <a:spLocks noChangeArrowheads="1"/>
+            </p:cNvSpPr>
+            <p:nvPr/>
+          </p:nvSpPr>
+          <p:spPr bwMode="auto">
+            <a:xfrm>
+              <a:off x="5603002" y="6608617"/>
+              <a:ext cx="1586726" cy="277265"/>
+            </a:xfrm>
+            <a:prstGeom prst="rect">
+              <a:avLst/>
+            </a:prstGeom>
+            <a:noFill/>
+            <a:ln>
+              <a:noFill/>
+            </a:ln>
+            <a:extLst>
+              <a:ext uri="{909E8E84-426E-40DD-AFC4-6F175D3DCCD1}">
+                <a14:hiddenFill xmlns:a14="http://schemas.microsoft.com/office/drawing/2010/main">
+                  <a:solidFill>
+                    <a:srgbClr val="FFFFFF"/>
+                  </a:solidFill>
+                </a14:hiddenFill>
+              </a:ext>
+              <a:ext uri="{91240B29-F687-4F45-9708-019B960494DF}">
+                <a14:hiddenLine xmlns:a14="http://schemas.microsoft.com/office/drawing/2010/main" w="9525">
+                  <a:solidFill>
+                    <a:srgbClr val="000000"/>
+                  </a:solidFill>
+                  <a:miter lim="800000"/>
+                  <a:headEnd/>
+                  <a:tailEnd/>
+                </a14:hiddenLine>
+              </a:ext>
+            </a:extLst>
+          </p:spPr>
+          <p:txBody>
+            <a:bodyPr wrap="none">
+              <a:spAutoFit/>
+            </a:bodyPr>
+            <a:lstStyle>
+              <a:lvl1pPr>
+                <a:lnSpc>
+                  <a:spcPct val="90000"/>
+                </a:lnSpc>
+                <a:spcBef>
+                  <a:spcPts val="1000"/>
+                </a:spcBef>
+                <a:buFont typeface="Arial" panose="020B0604020202020204" pitchFamily="34" charset="0"/>
+                <a:buChar char="•"/>
+                <a:defRPr sz="2800">
+                  <a:solidFill>
+                    <a:schemeClr val="tx1"/>
+                  </a:solidFill>
+                  <a:latin typeface="Calibri" panose="020F0502020204030204" pitchFamily="34" charset="0"/>
+                </a:defRPr>
+              </a:lvl1pPr>
+              <a:lvl2pPr marL="742950" indent="-285750">
+                <a:lnSpc>
+                  <a:spcPct val="90000"/>
+                </a:lnSpc>
+                <a:spcBef>
+                  <a:spcPts val="500"/>
+                </a:spcBef>
+                <a:buFont typeface="Arial" panose="020B0604020202020204" pitchFamily="34" charset="0"/>
+                <a:buChar char="•"/>
+                <a:defRPr sz="2400">
+                  <a:solidFill>
+                    <a:schemeClr val="tx1"/>
+                  </a:solidFill>
+                  <a:latin typeface="Calibri" panose="020F0502020204030204" pitchFamily="34" charset="0"/>
+                </a:defRPr>
+              </a:lvl2pPr>
+              <a:lvl3pPr marL="1143000" indent="-228600">
+                <a:lnSpc>
+                  <a:spcPct val="90000"/>
+                </a:lnSpc>
+                <a:spcBef>
+                  <a:spcPts val="500"/>
+                </a:spcBef>
+                <a:buFont typeface="Arial" panose="020B0604020202020204" pitchFamily="34" charset="0"/>
+                <a:buChar char="•"/>
+                <a:defRPr sz="2000">
+                  <a:solidFill>
+                    <a:schemeClr val="tx1"/>
+                  </a:solidFill>
+                  <a:latin typeface="Calibri" panose="020F0502020204030204" pitchFamily="34" charset="0"/>
+                </a:defRPr>
+              </a:lvl3pPr>
+              <a:lvl4pPr marL="1600200" indent="-228600">
+                <a:lnSpc>
+                  <a:spcPct val="90000"/>
+                </a:lnSpc>
+                <a:spcBef>
+                  <a:spcPts val="500"/>
+                </a:spcBef>
+                <a:buFont typeface="Arial" panose="020B0604020202020204" pitchFamily="34" charset="0"/>
+                <a:buChar char="•"/>
+                <a:defRPr>
+                  <a:solidFill>
+                    <a:schemeClr val="tx1"/>
+                  </a:solidFill>
+                  <a:latin typeface="Calibri" panose="020F0502020204030204" pitchFamily="34" charset="0"/>
+                </a:defRPr>
+              </a:lvl4pPr>
+              <a:lvl5pPr marL="2057400" indent="-228600">
+                <a:lnSpc>
+                  <a:spcPct val="90000"/>
+                </a:lnSpc>
+                <a:spcBef>
+                  <a:spcPts val="500"/>
+                </a:spcBef>
+                <a:buFont typeface="Arial" panose="020B0604020202020204" pitchFamily="34" charset="0"/>
+                <a:buChar char="•"/>
+                <a:defRPr>
+                  <a:solidFill>
+                    <a:schemeClr val="tx1"/>
+                  </a:solidFill>
+                  <a:latin typeface="Calibri" panose="020F0502020204030204" pitchFamily="34" charset="0"/>
+                </a:defRPr>
+              </a:lvl5pPr>
+              <a:lvl6pPr marL="2514600" indent="-228600" eaLnBrk="0" fontAlgn="base" hangingPunct="0">
+                <a:lnSpc>
+                  <a:spcPct val="90000"/>
+                </a:lnSpc>
+                <a:spcBef>
+                  <a:spcPts val="500"/>
+                </a:spcBef>
+                <a:spcAft>
+                  <a:spcPct val="0"/>
+                </a:spcAft>
+                <a:buFont typeface="Arial" panose="020B0604020202020204" pitchFamily="34" charset="0"/>
+                <a:buChar char="•"/>
+                <a:defRPr>
+                  <a:solidFill>
+                    <a:schemeClr val="tx1"/>
+                  </a:solidFill>
+                  <a:latin typeface="Calibri" panose="020F0502020204030204" pitchFamily="34" charset="0"/>
+                </a:defRPr>
+              </a:lvl6pPr>
+              <a:lvl7pPr marL="2971800" indent="-228600" eaLnBrk="0" fontAlgn="base" hangingPunct="0">
+                <a:lnSpc>
+                  <a:spcPct val="90000"/>
+                </a:lnSpc>
+                <a:spcBef>
+                  <a:spcPts val="500"/>
+                </a:spcBef>
+                <a:spcAft>
+                  <a:spcPct val="0"/>
+                </a:spcAft>
+                <a:buFont typeface="Arial" panose="020B0604020202020204" pitchFamily="34" charset="0"/>
+                <a:buChar char="•"/>
+                <a:defRPr>
+                  <a:solidFill>
+                    <a:schemeClr val="tx1"/>
+                  </a:solidFill>
+                  <a:latin typeface="Calibri" panose="020F0502020204030204" pitchFamily="34" charset="0"/>
+                </a:defRPr>
+              </a:lvl7pPr>
+              <a:lvl8pPr marL="3429000" indent="-228600" eaLnBrk="0" fontAlgn="base" hangingPunct="0">
+                <a:lnSpc>
+                  <a:spcPct val="90000"/>
+                </a:lnSpc>
+                <a:spcBef>
+                  <a:spcPts val="500"/>
+                </a:spcBef>
+                <a:spcAft>
+                  <a:spcPct val="0"/>
+                </a:spcAft>
+                <a:buFont typeface="Arial" panose="020B0604020202020204" pitchFamily="34" charset="0"/>
+                <a:buChar char="•"/>
+                <a:defRPr>
+                  <a:solidFill>
+                    <a:schemeClr val="tx1"/>
+                  </a:solidFill>
+                  <a:latin typeface="Calibri" panose="020F0502020204030204" pitchFamily="34" charset="0"/>
+                </a:defRPr>
+              </a:lvl8pPr>
+              <a:lvl9pPr marL="3886200" indent="-228600" eaLnBrk="0" fontAlgn="base" hangingPunct="0">
+                <a:lnSpc>
+                  <a:spcPct val="90000"/>
+                </a:lnSpc>
+                <a:spcBef>
+                  <a:spcPts val="500"/>
+                </a:spcBef>
+                <a:spcAft>
+                  <a:spcPct val="0"/>
+                </a:spcAft>
+                <a:buFont typeface="Arial" panose="020B0604020202020204" pitchFamily="34" charset="0"/>
+                <a:buChar char="•"/>
+                <a:defRPr>
+                  <a:solidFill>
+                    <a:schemeClr val="tx1"/>
+                  </a:solidFill>
+                  <a:latin typeface="Calibri" panose="020F0502020204030204" pitchFamily="34" charset="0"/>
+                </a:defRPr>
+              </a:lvl9pPr>
+            </a:lstStyle>
+            <a:p>
+              <a:pPr eaLnBrk="1" hangingPunct="1">
+                <a:lnSpc>
+                  <a:spcPct val="100000"/>
+                </a:lnSpc>
+                <a:spcBef>
+                  <a:spcPct val="0"/>
+                </a:spcBef>
+                <a:buFontTx/>
+                <a:buNone/>
+              </a:pPr>
+              <a:r>
+                <a:rPr lang="en-US" altLang="en-US" sz="1200" dirty="0"/>
+                <a:t>Introduction to </a:t>
+              </a:r>
+              <a:r>
+                <a:rPr lang="en-US" altLang="en-US" sz="1200" dirty="0" err="1"/>
+                <a:t>Github</a:t>
+              </a:r>
+              <a:endParaRPr lang="en-US" altLang="en-US" sz="1200" dirty="0"/>
+            </a:p>
+          </p:txBody>
+        </p:sp>
+      </p:grpSp>
+      <p:pic>
+        <p:nvPicPr>
+          <p:cNvPr id="9" name="Picture 2" descr="GitHub Logo">
+            <a:extLst>
+              <a:ext uri="{FF2B5EF4-FFF2-40B4-BE49-F238E27FC236}">
+                <a16:creationId xmlns:a16="http://schemas.microsoft.com/office/drawing/2014/main" id="{2BBF849D-2C68-D5ED-CB5C-82279E7BEDAA}"/>
+              </a:ext>
+            </a:extLst>
+          </p:cNvPr>
+          <p:cNvPicPr>
+            <a:picLocks noChangeAspect="1" noChangeArrowheads="1"/>
+          </p:cNvPicPr>
+          <p:nvPr/>
+        </p:nvPicPr>
+        <p:blipFill>
+          <a:blip r:embed="rId3">
+            <a:extLst>
+              <a:ext uri="{28A0092B-C50C-407E-A947-70E740481C1C}">
+                <a14:useLocalDpi xmlns:a14="http://schemas.microsoft.com/office/drawing/2010/main" val="0"/>
+              </a:ext>
+            </a:extLst>
+          </a:blip>
+          <a:srcRect/>
+          <a:stretch>
+            <a:fillRect/>
+          </a:stretch>
+        </p:blipFill>
+        <p:spPr bwMode="auto">
+          <a:xfrm>
+            <a:off x="10147032" y="132556"/>
+            <a:ext cx="2044968" cy="1150294"/>
+          </a:xfrm>
+          <a:prstGeom prst="rect">
+            <a:avLst/>
+          </a:prstGeom>
+          <a:noFill/>
+          <a:extLst>
+            <a:ext uri="{909E8E84-426E-40DD-AFC4-6F175D3DCCD1}">
+              <a14:hiddenFill xmlns:a14="http://schemas.microsoft.com/office/drawing/2010/main">
+                <a:solidFill>
+                  <a:srgbClr val="FFFFFF"/>
+                </a:solidFill>
+              </a14:hiddenFill>
+            </a:ext>
+          </a:extLst>
+        </p:spPr>
+      </p:pic>
+    </p:spTree>
+    <p:extLst>
+      <p:ext uri="{BB962C8B-B14F-4D97-AF65-F5344CB8AC3E}">
+        <p14:creationId xmlns:p14="http://schemas.microsoft.com/office/powerpoint/2010/main" val="2109682820"/>
       </p:ext>
     </p:extLst>
   </p:cSld>
